--- a/papers/Data analysis with R/main_presentation.pptx
+++ b/papers/Data analysis with R/main_presentation.pptx
@@ -12,10 +12,12 @@
     <p:sldId id="260" r:id="rId6"/>
     <p:sldId id="261" r:id="rId7"/>
     <p:sldId id="262" r:id="rId8"/>
-    <p:sldId id="263" r:id="rId9"/>
-    <p:sldId id="264" r:id="rId10"/>
-    <p:sldId id="265" r:id="rId11"/>
-    <p:sldId id="266" r:id="rId12"/>
+    <p:sldId id="268" r:id="rId9"/>
+    <p:sldId id="267" r:id="rId10"/>
+    <p:sldId id="263" r:id="rId11"/>
+    <p:sldId id="264" r:id="rId12"/>
+    <p:sldId id="265" r:id="rId13"/>
+    <p:sldId id="266" r:id="rId14"/>
   </p:sldIdLst>
   <p:sldSz cx="12192000" cy="6858000"/>
   <p:notesSz cx="6858000" cy="9144000"/>
@@ -114,6 +116,11 @@
       </a:defRPr>
     </a:lvl9pPr>
   </p:defaultTextStyle>
+  <p:extLst>
+    <p:ext uri="{EFAFB233-063F-42B5-8137-9DF3F51BA10A}">
+      <p15:sldGuideLst xmlns:p15="http://schemas.microsoft.com/office/powerpoint/2012/main"/>
+    </p:ext>
+  </p:extLst>
 </p:presentation>
 </file>
 
@@ -345,7 +352,7 @@
           <a:p>
             <a:fld id="{DD6BD931-C2DA-48F1-BCE2-ED56F3690308}" type="datetimeFigureOut">
               <a:rPr lang="en-US" smtClean="0"/>
-              <a:t>11/17/2021</a:t>
+              <a:t>11/19/2021</a:t>
             </a:fld>
             <a:endParaRPr lang="en-US" dirty="0"/>
           </a:p>
@@ -553,7 +560,7 @@
           <a:p>
             <a:fld id="{DD6BD931-C2DA-48F1-BCE2-ED56F3690308}" type="datetimeFigureOut">
               <a:rPr lang="en-US" smtClean="0"/>
-              <a:t>11/17/2021</a:t>
+              <a:t>11/19/2021</a:t>
             </a:fld>
             <a:endParaRPr lang="en-US" dirty="0"/>
           </a:p>
@@ -811,7 +818,7 @@
           <a:p>
             <a:fld id="{DD6BD931-C2DA-48F1-BCE2-ED56F3690308}" type="datetimeFigureOut">
               <a:rPr lang="en-US" smtClean="0"/>
-              <a:t>11/17/2021</a:t>
+              <a:t>11/19/2021</a:t>
             </a:fld>
             <a:endParaRPr lang="en-US" dirty="0"/>
           </a:p>
@@ -981,7 +988,7 @@
           <a:p>
             <a:fld id="{DD6BD931-C2DA-48F1-BCE2-ED56F3690308}" type="datetimeFigureOut">
               <a:rPr lang="en-US" smtClean="0"/>
-              <a:t>11/17/2021</a:t>
+              <a:t>11/19/2021</a:t>
             </a:fld>
             <a:endParaRPr lang="en-US" dirty="0"/>
           </a:p>
@@ -1318,7 +1325,7 @@
           <a:p>
             <a:fld id="{DD6BD931-C2DA-48F1-BCE2-ED56F3690308}" type="datetimeFigureOut">
               <a:rPr lang="en-US" smtClean="0"/>
-              <a:t>11/17/2021</a:t>
+              <a:t>11/19/2021</a:t>
             </a:fld>
             <a:endParaRPr lang="en-US" dirty="0"/>
           </a:p>
@@ -1593,7 +1600,7 @@
           <a:p>
             <a:fld id="{DD6BD931-C2DA-48F1-BCE2-ED56F3690308}" type="datetimeFigureOut">
               <a:rPr lang="en-US" smtClean="0"/>
-              <a:t>11/17/2021</a:t>
+              <a:t>11/19/2021</a:t>
             </a:fld>
             <a:endParaRPr lang="en-US" dirty="0"/>
           </a:p>
@@ -1976,7 +1983,7 @@
           <a:p>
             <a:fld id="{DD6BD931-C2DA-48F1-BCE2-ED56F3690308}" type="datetimeFigureOut">
               <a:rPr lang="en-US" smtClean="0"/>
-              <a:t>11/17/2021</a:t>
+              <a:t>11/19/2021</a:t>
             </a:fld>
             <a:endParaRPr lang="en-US" dirty="0"/>
           </a:p>
@@ -2094,7 +2101,7 @@
           <a:p>
             <a:fld id="{DD6BD931-C2DA-48F1-BCE2-ED56F3690308}" type="datetimeFigureOut">
               <a:rPr lang="en-US" smtClean="0"/>
-              <a:t>11/17/2021</a:t>
+              <a:t>11/19/2021</a:t>
             </a:fld>
             <a:endParaRPr lang="en-US" dirty="0"/>
           </a:p>
@@ -2267,7 +2274,7 @@
           <a:p>
             <a:fld id="{DD6BD931-C2DA-48F1-BCE2-ED56F3690308}" type="datetimeFigureOut">
               <a:rPr lang="en-US" smtClean="0"/>
-              <a:t>11/17/2021</a:t>
+              <a:t>11/19/2021</a:t>
             </a:fld>
             <a:endParaRPr lang="en-US" dirty="0"/>
           </a:p>
@@ -2623,7 +2630,7 @@
           <a:p>
             <a:fld id="{DD6BD931-C2DA-48F1-BCE2-ED56F3690308}" type="datetimeFigureOut">
               <a:rPr lang="en-US" smtClean="0"/>
-              <a:t>11/17/2021</a:t>
+              <a:t>11/19/2021</a:t>
             </a:fld>
             <a:endParaRPr lang="en-US" dirty="0"/>
           </a:p>
@@ -2971,7 +2978,7 @@
           <a:p>
             <a:fld id="{DD6BD931-C2DA-48F1-BCE2-ED56F3690308}" type="datetimeFigureOut">
               <a:rPr lang="en-US" smtClean="0"/>
-              <a:t>11/17/2021</a:t>
+              <a:t>11/19/2021</a:t>
             </a:fld>
             <a:endParaRPr lang="en-US" dirty="0"/>
           </a:p>
@@ -3282,7 +3289,7 @@
           <a:p>
             <a:fld id="{DD6BD931-C2DA-48F1-BCE2-ED56F3690308}" type="datetimeFigureOut">
               <a:rPr lang="en-US" smtClean="0"/>
-              <a:t>11/17/2021</a:t>
+              <a:t>11/19/2021</a:t>
             </a:fld>
             <a:endParaRPr lang="en-US" dirty="0"/>
           </a:p>
@@ -3871,6 +3878,243 @@
         </p:nvSpPr>
         <p:spPr>
           <a:xfrm>
+            <a:off x="1524000" y="914401"/>
+            <a:ext cx="9144000" cy="759854"/>
+          </a:xfrm>
+        </p:spPr>
+        <p:txBody>
+          <a:bodyPr>
+            <a:noAutofit/>
+          </a:bodyPr>
+          <a:lstStyle/>
+          <a:p>
+            <a:r>
+              <a:rPr lang="en-GB" sz="5400" dirty="0" smtClean="0"/>
+              <a:t>RESULTS FROM THE MODELS</a:t>
+            </a:r>
+            <a:endParaRPr lang="en-US" sz="5400" dirty="0"/>
+          </a:p>
+        </p:txBody>
+      </p:sp>
+      <p:sp>
+        <p:nvSpPr>
+          <p:cNvPr id="3" name="Subtitle 2"/>
+          <p:cNvSpPr>
+            <a:spLocks noGrp="1"/>
+          </p:cNvSpPr>
+          <p:nvPr>
+            <p:ph type="subTitle" idx="1"/>
+          </p:nvPr>
+        </p:nvSpPr>
+        <p:spPr>
+          <a:xfrm>
+            <a:off x="1524000" y="1867437"/>
+            <a:ext cx="9144000" cy="3390363"/>
+          </a:xfrm>
+        </p:spPr>
+        <p:txBody>
+          <a:bodyPr>
+            <a:normAutofit fontScale="92500" lnSpcReduction="20000"/>
+          </a:bodyPr>
+          <a:lstStyle/>
+          <a:p>
+            <a:r>
+              <a:rPr lang="en-GB" dirty="0" smtClean="0"/>
+              <a:t>Based on the datasets provided, we established the following from the cluster variable of stores </a:t>
+            </a:r>
+          </a:p>
+          <a:p>
+            <a:pPr marL="457200" indent="-457200">
+              <a:buAutoNum type="arabicPeriod"/>
+            </a:pPr>
+            <a:r>
+              <a:rPr lang="en-GB" dirty="0" smtClean="0"/>
+              <a:t>Correlational </a:t>
+            </a:r>
+            <a:r>
+              <a:rPr lang="en-US" dirty="0" smtClean="0"/>
+              <a:t>- </a:t>
+            </a:r>
+            <a:r>
+              <a:rPr lang="en-GB" dirty="0"/>
+              <a:t>The correlation result produced is -0.05928399 meaning that there is no correlation whatsoever between the two values and that the values are independent of each </a:t>
+            </a:r>
+            <a:r>
+              <a:rPr lang="en-GB" dirty="0" smtClean="0"/>
+              <a:t>other</a:t>
+            </a:r>
+          </a:p>
+          <a:p>
+            <a:pPr marL="457200" indent="-457200">
+              <a:buAutoNum type="arabicPeriod"/>
+            </a:pPr>
+            <a:r>
+              <a:rPr lang="en-GB" dirty="0" smtClean="0"/>
+              <a:t>ARIMA - the model predicted future cluster values in range of 10 future periods as a value of 0.5 to 1.5</a:t>
+            </a:r>
+          </a:p>
+          <a:p>
+            <a:pPr marL="457200" indent="-457200">
+              <a:buAutoNum type="arabicPeriod"/>
+            </a:pPr>
+            <a:r>
+              <a:rPr lang="en-GB" dirty="0" smtClean="0"/>
+              <a:t>RNN –the model predicted our forecast cluster values at a value of acc 0.7, chances of getting  hire next cluster in the shops </a:t>
+            </a:r>
+          </a:p>
+        </p:txBody>
+      </p:sp>
+    </p:spTree>
+    <p:extLst>
+      <p:ext uri="{BB962C8B-B14F-4D97-AF65-F5344CB8AC3E}">
+        <p14:creationId xmlns:p14="http://schemas.microsoft.com/office/powerpoint/2010/main" val="807576832"/>
+      </p:ext>
+    </p:extLst>
+  </p:cSld>
+  <p:clrMapOvr>
+    <a:masterClrMapping/>
+  </p:clrMapOvr>
+</p:sld>
+</file>
+
+<file path=ppt/slides/slide11.xml><?xml version="1.0" encoding="utf-8"?>
+<p:sld xmlns:a="http://schemas.openxmlformats.org/drawingml/2006/main" xmlns:r="http://schemas.openxmlformats.org/officeDocument/2006/relationships" xmlns:p="http://schemas.openxmlformats.org/presentationml/2006/main">
+  <p:cSld>
+    <p:spTree>
+      <p:nvGrpSpPr>
+        <p:cNvPr id="1" name=""/>
+        <p:cNvGrpSpPr/>
+        <p:nvPr/>
+      </p:nvGrpSpPr>
+      <p:grpSpPr>
+        <a:xfrm>
+          <a:off x="0" y="0"/>
+          <a:ext cx="0" cy="0"/>
+          <a:chOff x="0" y="0"/>
+          <a:chExt cx="0" cy="0"/>
+        </a:xfrm>
+      </p:grpSpPr>
+      <p:sp>
+        <p:nvSpPr>
+          <p:cNvPr id="2" name="Title 1"/>
+          <p:cNvSpPr>
+            <a:spLocks noGrp="1"/>
+          </p:cNvSpPr>
+          <p:nvPr>
+            <p:ph type="ctrTitle"/>
+          </p:nvPr>
+        </p:nvSpPr>
+        <p:spPr>
+          <a:xfrm>
+            <a:off x="1524000" y="811369"/>
+            <a:ext cx="9144000" cy="695459"/>
+          </a:xfrm>
+        </p:spPr>
+        <p:txBody>
+          <a:bodyPr>
+            <a:normAutofit fontScale="90000"/>
+          </a:bodyPr>
+          <a:lstStyle/>
+          <a:p>
+            <a:r>
+              <a:rPr lang="en-GB" dirty="0" smtClean="0"/>
+              <a:t>Challenges and risks </a:t>
+            </a:r>
+            <a:endParaRPr lang="en-US" dirty="0"/>
+          </a:p>
+        </p:txBody>
+      </p:sp>
+      <p:sp>
+        <p:nvSpPr>
+          <p:cNvPr id="3" name="Subtitle 2"/>
+          <p:cNvSpPr>
+            <a:spLocks noGrp="1"/>
+          </p:cNvSpPr>
+          <p:nvPr>
+            <p:ph type="subTitle" idx="1"/>
+          </p:nvPr>
+        </p:nvSpPr>
+        <p:spPr>
+          <a:xfrm>
+            <a:off x="1524000" y="1828800"/>
+            <a:ext cx="9144000" cy="3429000"/>
+          </a:xfrm>
+        </p:spPr>
+        <p:txBody>
+          <a:bodyPr/>
+          <a:lstStyle/>
+          <a:p>
+            <a:r>
+              <a:rPr lang="en-GB" dirty="0" smtClean="0"/>
+              <a:t>Given the most powerful and optimal success rate derived from these models, we can say that </a:t>
+            </a:r>
+            <a:r>
+              <a:rPr lang="en-US" dirty="0" smtClean="0"/>
+              <a:t>:</a:t>
+            </a:r>
+          </a:p>
+          <a:p>
+            <a:pPr marL="457200" indent="-457200">
+              <a:buAutoNum type="arabicPeriod"/>
+            </a:pPr>
+            <a:r>
+              <a:rPr lang="en-GB" dirty="0" smtClean="0"/>
+              <a:t>There is risk for organisations not fully exploiting the full power of these models  to be their benefit, which may help them reduce financial loses</a:t>
+            </a:r>
+          </a:p>
+          <a:p>
+            <a:pPr marL="457200" indent="-457200">
+              <a:buAutoNum type="arabicPeriod"/>
+            </a:pPr>
+            <a:r>
+              <a:rPr lang="en-GB" dirty="0" smtClean="0"/>
+              <a:t>There is  a challenge for institutions to train more data scientists who can help avert these risks</a:t>
+            </a:r>
+          </a:p>
+        </p:txBody>
+      </p:sp>
+    </p:spTree>
+    <p:extLst>
+      <p:ext uri="{BB962C8B-B14F-4D97-AF65-F5344CB8AC3E}">
+        <p14:creationId xmlns:p14="http://schemas.microsoft.com/office/powerpoint/2010/main" val="2125593867"/>
+      </p:ext>
+    </p:extLst>
+  </p:cSld>
+  <p:clrMapOvr>
+    <a:masterClrMapping/>
+  </p:clrMapOvr>
+</p:sld>
+</file>
+
+<file path=ppt/slides/slide12.xml><?xml version="1.0" encoding="utf-8"?>
+<p:sld xmlns:a="http://schemas.openxmlformats.org/drawingml/2006/main" xmlns:r="http://schemas.openxmlformats.org/officeDocument/2006/relationships" xmlns:p="http://schemas.openxmlformats.org/presentationml/2006/main">
+  <p:cSld>
+    <p:spTree>
+      <p:nvGrpSpPr>
+        <p:cNvPr id="1" name=""/>
+        <p:cNvGrpSpPr/>
+        <p:nvPr/>
+      </p:nvGrpSpPr>
+      <p:grpSpPr>
+        <a:xfrm>
+          <a:off x="0" y="0"/>
+          <a:ext cx="0" cy="0"/>
+          <a:chOff x="0" y="0"/>
+          <a:chExt cx="0" cy="0"/>
+        </a:xfrm>
+      </p:grpSpPr>
+      <p:sp>
+        <p:nvSpPr>
+          <p:cNvPr id="2" name="Title 1"/>
+          <p:cNvSpPr>
+            <a:spLocks noGrp="1"/>
+          </p:cNvSpPr>
+          <p:nvPr>
+            <p:ph type="ctrTitle"/>
+          </p:nvPr>
+        </p:nvSpPr>
+        <p:spPr>
+          <a:xfrm>
             <a:off x="1524000" y="787513"/>
             <a:ext cx="9144000" cy="654922"/>
           </a:xfrm>
@@ -3930,7 +4174,7 @@
 </p:sld>
 </file>
 
-<file path=ppt/slides/slide11.xml><?xml version="1.0" encoding="utf-8"?>
+<file path=ppt/slides/slide13.xml><?xml version="1.0" encoding="utf-8"?>
 <p:sld xmlns:a="http://schemas.openxmlformats.org/drawingml/2006/main" xmlns:r="http://schemas.openxmlformats.org/officeDocument/2006/relationships" xmlns:p="http://schemas.openxmlformats.org/presentationml/2006/main">
   <p:cSld>
     <p:spTree>
@@ -4083,14 +4327,41 @@
         </p:spPr>
         <p:txBody>
           <a:bodyPr>
-            <a:normAutofit lnSpcReduction="10000"/>
+            <a:normAutofit/>
           </a:bodyPr>
           <a:lstStyle/>
           <a:p>
-            <a:pPr algn="l"/>
             <a:r>
               <a:rPr lang="en-GB" dirty="0" smtClean="0"/>
-              <a:t>The dataset provided for this task is based on the store outlets distribution. That dataset is contains various variable columns and headers that represent the store. The following are the variable headers</a:t>
+              <a:t>The dataset provided for this task </a:t>
+            </a:r>
+            <a:r>
+              <a:rPr lang="en-GB" dirty="0" smtClean="0"/>
+              <a:t>is based </a:t>
+            </a:r>
+            <a:r>
+              <a:rPr lang="en-GB" dirty="0"/>
+              <a:t>on the Sales inputs identified based on their </a:t>
+            </a:r>
+            <a:r>
+              <a:rPr lang="en-GB" dirty="0" smtClean="0"/>
+              <a:t>id. THE </a:t>
+            </a:r>
+            <a:r>
+              <a:rPr lang="en-GB" dirty="0"/>
+              <a:t>dataset </a:t>
+            </a:r>
+            <a:r>
+              <a:rPr lang="en-GB" dirty="0" smtClean="0"/>
+              <a:t>contains various </a:t>
+            </a:r>
+            <a:r>
+              <a:rPr lang="en-GB" dirty="0"/>
+              <a:t>variable columns and headers that represent the  store</a:t>
+            </a:r>
+            <a:r>
+              <a:rPr lang="en-GB" dirty="0" smtClean="0"/>
+              <a:t>. The following are the variable headers</a:t>
             </a:r>
           </a:p>
           <a:p>
@@ -4100,16 +4371,16 @@
               <a:t>&gt;  </a:t>
             </a:r>
             <a:r>
-              <a:rPr lang="en-GB" dirty="0"/>
-              <a:t>S</a:t>
-            </a:r>
-            <a:r>
               <a:rPr lang="en-GB" dirty="0" smtClean="0"/>
-              <a:t>tor_nbr</a:t>
+              <a:t>SALES ID</a:t>
             </a:r>
             <a:r>
               <a:rPr lang="en-GB" dirty="0" smtClean="0"/>
-              <a:t> which is of  variable type INTEGER</a:t>
+              <a:t> </a:t>
+            </a:r>
+            <a:r>
+              <a:rPr lang="en-GB" dirty="0" smtClean="0"/>
+              <a:t>which is of  variable type INTEGER</a:t>
             </a:r>
           </a:p>
           <a:p>
@@ -4119,8 +4390,21 @@
             </a:pPr>
             <a:r>
               <a:rPr lang="en-GB" dirty="0" smtClean="0"/>
-              <a:t>City which is of variable type TEXT</a:t>
-            </a:r>
+              <a:t>SALES </a:t>
+            </a:r>
+            <a:r>
+              <a:rPr lang="en-GB" dirty="0" smtClean="0"/>
+              <a:t> </a:t>
+            </a:r>
+            <a:r>
+              <a:rPr lang="en-GB" dirty="0" smtClean="0"/>
+              <a:t>which is of variable type </a:t>
+            </a:r>
+            <a:r>
+              <a:rPr lang="en-GB" dirty="0" smtClean="0"/>
+              <a:t>FLOAT</a:t>
+            </a:r>
+            <a:endParaRPr lang="en-GB" dirty="0" smtClean="0"/>
           </a:p>
           <a:p>
             <a:pPr marL="342900" indent="-342900" algn="l">
@@ -4129,28 +4413,9 @@
             </a:pPr>
             <a:r>
               <a:rPr lang="en-GB" dirty="0" smtClean="0"/>
-              <a:t>State which is of variable type TEXT</a:t>
-            </a:r>
-          </a:p>
-          <a:p>
-            <a:pPr marL="342900" indent="-342900" algn="l">
-              <a:buFont typeface="Wingdings" panose="05000000000000000000" pitchFamily="2" charset="2"/>
-              <a:buChar char="Ø"/>
-            </a:pPr>
-            <a:r>
-              <a:rPr lang="en-GB" dirty="0" smtClean="0"/>
-              <a:t>Type of store which is of variable type TEXT</a:t>
-            </a:r>
-          </a:p>
-          <a:p>
-            <a:pPr marL="342900" indent="-342900" algn="l">
-              <a:buFont typeface="Wingdings" panose="05000000000000000000" pitchFamily="2" charset="2"/>
-              <a:buChar char="Ø"/>
-            </a:pPr>
-            <a:r>
-              <a:rPr lang="en-GB" dirty="0" smtClean="0"/>
-              <a:t>Cluster which is of variable type INT</a:t>
-            </a:r>
+              <a:t> </a:t>
+            </a:r>
+            <a:endParaRPr lang="en-GB" dirty="0" smtClean="0"/>
           </a:p>
           <a:p>
             <a:endParaRPr lang="en-GB" dirty="0" smtClean="0"/>
@@ -4653,21 +4918,21 @@
         </p:nvSpPr>
         <p:spPr>
           <a:xfrm>
-            <a:off x="1524000" y="914401"/>
-            <a:ext cx="9144000" cy="759854"/>
+            <a:off x="1100051" y="218039"/>
+            <a:ext cx="10058400" cy="1095606"/>
           </a:xfrm>
         </p:spPr>
         <p:txBody>
           <a:bodyPr>
-            <a:noAutofit/>
+            <a:normAutofit fontScale="90000"/>
           </a:bodyPr>
           <a:lstStyle/>
           <a:p>
             <a:r>
-              <a:rPr lang="en-GB" sz="5400" dirty="0" smtClean="0"/>
-              <a:t>RESULTS FROM THE MODELS</a:t>
-            </a:r>
-            <a:endParaRPr lang="en-US" sz="5400" dirty="0"/>
+              <a:rPr lang="en-GB" dirty="0" smtClean="0"/>
+              <a:t>RANDOM FOREST</a:t>
+            </a:r>
+            <a:endParaRPr lang="en-US" dirty="0"/>
           </a:p>
         </p:txBody>
       </p:sp>
@@ -4683,74 +4948,47 @@
         </p:nvSpPr>
         <p:spPr>
           <a:xfrm>
-            <a:off x="1524000" y="1867437"/>
-            <a:ext cx="9144000" cy="3390363"/>
-          </a:xfrm>
-        </p:spPr>
-        <p:txBody>
-          <a:bodyPr>
-            <a:normAutofit fontScale="92500" lnSpcReduction="20000"/>
-          </a:bodyPr>
+            <a:off x="1100051" y="1223494"/>
+            <a:ext cx="10058400" cy="4375128"/>
+          </a:xfrm>
+        </p:spPr>
+        <p:txBody>
+          <a:bodyPr/>
           <a:lstStyle/>
           <a:p>
             <a:r>
               <a:rPr lang="en-GB" dirty="0" smtClean="0"/>
-              <a:t>Based on the datasets provided, we established the following from the cluster variable of stores </a:t>
-            </a:r>
-          </a:p>
-          <a:p>
-            <a:pPr marL="457200" indent="-457200">
-              <a:buAutoNum type="arabicPeriod"/>
-            </a:pPr>
+              <a:t>&gt;This model uses bagging algorithm to predict future outcomes</a:t>
+            </a:r>
+          </a:p>
+          <a:p>
             <a:r>
               <a:rPr lang="en-GB" dirty="0" smtClean="0"/>
-              <a:t>Correlational </a:t>
-            </a:r>
-            <a:r>
-              <a:rPr lang="en-US" dirty="0" smtClean="0"/>
-              <a:t>- </a:t>
-            </a:r>
-            <a:r>
-              <a:rPr lang="en-GB" dirty="0"/>
-              <a:t>The correlation result produced is -0.05928399 meaning that there is no correlation whatsoever between the two values and that the values are independent of each </a:t>
-            </a:r>
+              <a:t>&gt;each prediction made is classified into a “forest”/ node</a:t>
+            </a:r>
+          </a:p>
+          <a:p>
             <a:r>
               <a:rPr lang="en-GB" dirty="0" smtClean="0"/>
-              <a:t>other</a:t>
-            </a:r>
-          </a:p>
-          <a:p>
-            <a:pPr marL="457200" indent="-457200">
-              <a:buAutoNum type="arabicPeriod"/>
-            </a:pPr>
+              <a:t>&gt;LATER THESE NODES CAN BE ACCESSED BY THE ALGORTHM WHEN TRYING TO ESTABLISH ROOT CAUSE ANALYSIS. </a:t>
+            </a:r>
+            <a:endParaRPr lang="en-GB" dirty="0"/>
+          </a:p>
+          <a:p>
             <a:r>
               <a:rPr lang="en-GB" dirty="0" smtClean="0"/>
-              <a:t>ARIMA - the model predicted future cluster values in range of 10 future periods as a value of 0.5 to 1.5</a:t>
-            </a:r>
-          </a:p>
-          <a:p>
-            <a:pPr marL="457200" indent="-457200">
-              <a:buAutoNum type="arabicPeriod"/>
-            </a:pPr>
-            <a:r>
-              <a:rPr lang="en-GB" dirty="0" smtClean="0"/>
-              <a:t>RNN –the model predicted our forecast cluster values at a value of </a:t>
-            </a:r>
-            <a:r>
-              <a:rPr lang="en-GB" dirty="0" smtClean="0"/>
-              <a:t>acc</a:t>
-            </a:r>
-            <a:r>
-              <a:rPr lang="en-GB" dirty="0" smtClean="0"/>
-              <a:t> 0.7, chances of getting  hire next cluster in the shops </a:t>
-            </a:r>
+              <a:t>&gt;RPART IS ONE OF THE PACKAGES THAT IS FREQUENTLY USED FOR DETERMING AND MODELLING RANDOM FOREST DECISION TREES</a:t>
+            </a:r>
+          </a:p>
+          <a:p>
+            <a:endParaRPr lang="en-US" dirty="0"/>
           </a:p>
         </p:txBody>
       </p:sp>
     </p:spTree>
     <p:extLst>
       <p:ext uri="{BB962C8B-B14F-4D97-AF65-F5344CB8AC3E}">
-        <p14:creationId xmlns:p14="http://schemas.microsoft.com/office/powerpoint/2010/main" val="807576832"/>
+        <p14:creationId xmlns:p14="http://schemas.microsoft.com/office/powerpoint/2010/main" val="50951131"/>
       </p:ext>
     </p:extLst>
   </p:cSld>
@@ -4789,19 +5027,17 @@
         </p:nvSpPr>
         <p:spPr>
           <a:xfrm>
-            <a:off x="1524000" y="811369"/>
-            <a:ext cx="9144000" cy="695459"/>
-          </a:xfrm>
-        </p:spPr>
-        <p:txBody>
-          <a:bodyPr>
-            <a:normAutofit fontScale="90000"/>
-          </a:bodyPr>
+            <a:off x="1097280" y="758952"/>
+            <a:ext cx="10058400" cy="1250152"/>
+          </a:xfrm>
+        </p:spPr>
+        <p:txBody>
+          <a:bodyPr/>
           <a:lstStyle/>
           <a:p>
             <a:r>
               <a:rPr lang="en-GB" dirty="0" smtClean="0"/>
-              <a:t>Challenges and risks </a:t>
+              <a:t>LINEAR REGRESSION</a:t>
             </a:r>
             <a:endParaRPr lang="en-US" dirty="0"/>
           </a:p>
@@ -4819,8 +5055,8 @@
         </p:nvSpPr>
         <p:spPr>
           <a:xfrm>
-            <a:off x="1524000" y="1828800"/>
-            <a:ext cx="9144000" cy="3429000"/>
+            <a:off x="1100051" y="1880315"/>
+            <a:ext cx="10058400" cy="3718306"/>
           </a:xfrm>
         </p:spPr>
         <p:txBody>
@@ -4829,37 +5065,22 @@
           <a:p>
             <a:r>
               <a:rPr lang="en-GB" dirty="0" smtClean="0"/>
-              <a:t>Given the most powerful and optimal success rate derived from these models, we can say that </a:t>
-            </a:r>
-            <a:r>
-              <a:rPr lang="en-US" dirty="0" smtClean="0"/>
-              <a:t>:</a:t>
-            </a:r>
-          </a:p>
-          <a:p>
-            <a:pPr marL="457200" indent="-457200">
-              <a:buAutoNum type="arabicPeriod"/>
-            </a:pPr>
+              <a:t>&gt;this MODEL IS USEFUL WHEN TRYING to measure quantitative variables</a:t>
+            </a:r>
+          </a:p>
+          <a:p>
             <a:r>
               <a:rPr lang="en-GB" dirty="0" smtClean="0"/>
-              <a:t>There is risk for organisations not fully exploiting the full power of these models  to be their benefit, which may help them reduce financial loses</a:t>
-            </a:r>
-          </a:p>
-          <a:p>
-            <a:pPr marL="457200" indent="-457200">
-              <a:buAutoNum type="arabicPeriod"/>
-            </a:pPr>
-            <a:r>
-              <a:rPr lang="en-GB" dirty="0" smtClean="0"/>
-              <a:t>There is  a challenge for institutions to train more data scientists who can help avert these risks</a:t>
-            </a:r>
+              <a:t>&gt; The variables are measured and estimated in a line as predictions for future values are determined</a:t>
+            </a:r>
+            <a:endParaRPr lang="en-US" dirty="0"/>
           </a:p>
         </p:txBody>
       </p:sp>
     </p:spTree>
     <p:extLst>
       <p:ext uri="{BB962C8B-B14F-4D97-AF65-F5344CB8AC3E}">
-        <p14:creationId xmlns:p14="http://schemas.microsoft.com/office/powerpoint/2010/main" val="2125593867"/>
+        <p14:creationId xmlns:p14="http://schemas.microsoft.com/office/powerpoint/2010/main" val="2109205716"/>
       </p:ext>
     </p:extLst>
   </p:cSld>
